--- a/0327_IIM/IIM.pptx
+++ b/0327_IIM/IIM.pptx
@@ -254,7 +254,7 @@
           <a:p>
             <a:fld id="{48A87A34-81AB-432B-8DAE-1953F412C126}" type="datetimeFigureOut">
               <a:rPr lang="en-US" dirty="0"/>
-              <a:t>4/3/2017</a:t>
+              <a:t>4/5/2017</a:t>
             </a:fld>
             <a:endParaRPr lang="en-US" dirty="0"/>
           </a:p>
@@ -460,7 +460,7 @@
           <a:p>
             <a:fld id="{48A87A34-81AB-432B-8DAE-1953F412C126}" type="datetimeFigureOut">
               <a:rPr lang="en-US" dirty="0"/>
-              <a:t>4/3/2017</a:t>
+              <a:t>4/5/2017</a:t>
             </a:fld>
             <a:endParaRPr lang="en-US" dirty="0"/>
           </a:p>
@@ -670,7 +670,7 @@
           <a:p>
             <a:fld id="{48A87A34-81AB-432B-8DAE-1953F412C126}" type="datetimeFigureOut">
               <a:rPr lang="en-US" dirty="0"/>
-              <a:t>4/3/2017</a:t>
+              <a:t>4/5/2017</a:t>
             </a:fld>
             <a:endParaRPr lang="en-US" dirty="0"/>
           </a:p>
@@ -866,7 +866,7 @@
           <a:p>
             <a:fld id="{48A87A34-81AB-432B-8DAE-1953F412C126}" type="datetimeFigureOut">
               <a:rPr lang="en-US" dirty="0"/>
-              <a:t>4/3/2017</a:t>
+              <a:t>4/5/2017</a:t>
             </a:fld>
             <a:endParaRPr lang="en-US" dirty="0"/>
           </a:p>
@@ -1140,7 +1140,7 @@
           <a:p>
             <a:fld id="{48A87A34-81AB-432B-8DAE-1953F412C126}" type="datetimeFigureOut">
               <a:rPr lang="en-US" dirty="0"/>
-              <a:t>4/3/2017</a:t>
+              <a:t>4/5/2017</a:t>
             </a:fld>
             <a:endParaRPr lang="en-US" dirty="0"/>
           </a:p>
@@ -1403,7 +1403,7 @@
           <a:p>
             <a:fld id="{48A87A34-81AB-432B-8DAE-1953F412C126}" type="datetimeFigureOut">
               <a:rPr lang="en-US" dirty="0"/>
-              <a:t>4/3/2017</a:t>
+              <a:t>4/5/2017</a:t>
             </a:fld>
             <a:endParaRPr lang="en-US" dirty="0"/>
           </a:p>
@@ -1814,7 +1814,7 @@
           <a:p>
             <a:fld id="{48A87A34-81AB-432B-8DAE-1953F412C126}" type="datetimeFigureOut">
               <a:rPr lang="en-US" dirty="0"/>
-              <a:t>4/3/2017</a:t>
+              <a:t>4/5/2017</a:t>
             </a:fld>
             <a:endParaRPr lang="en-US" dirty="0"/>
           </a:p>
@@ -1958,7 +1958,7 @@
           <a:p>
             <a:fld id="{48A87A34-81AB-432B-8DAE-1953F412C126}" type="datetimeFigureOut">
               <a:rPr lang="en-US" dirty="0"/>
-              <a:t>4/3/2017</a:t>
+              <a:t>4/5/2017</a:t>
             </a:fld>
             <a:endParaRPr lang="en-US" dirty="0"/>
           </a:p>
@@ -2079,7 +2079,7 @@
           <a:p>
             <a:fld id="{48A87A34-81AB-432B-8DAE-1953F412C126}" type="datetimeFigureOut">
               <a:rPr lang="en-US" dirty="0"/>
-              <a:t>4/3/2017</a:t>
+              <a:t>4/5/2017</a:t>
             </a:fld>
             <a:endParaRPr lang="en-US" dirty="0"/>
           </a:p>
@@ -2325,7 +2325,7 @@
           <a:p>
             <a:fld id="{48A87A34-81AB-432B-8DAE-1953F412C126}" type="datetimeFigureOut">
               <a:rPr lang="en-US" dirty="0"/>
-              <a:t>4/3/2017</a:t>
+              <a:t>4/5/2017</a:t>
             </a:fld>
             <a:endParaRPr lang="en-US" dirty="0"/>
           </a:p>
@@ -2766,7 +2766,7 @@
             <a:fld id="{48A87A34-81AB-432B-8DAE-1953F412C126}" type="datetimeFigureOut">
               <a:rPr lang="en-US" dirty="0"/>
               <a:pPr/>
-              <a:t>4/3/2017</a:t>
+              <a:t>4/5/2017</a:t>
             </a:fld>
             <a:endParaRPr lang="en-US" dirty="0"/>
           </a:p>
@@ -3088,7 +3088,7 @@
             <a:fld id="{48A87A34-81AB-432B-8DAE-1953F412C126}" type="datetimeFigureOut">
               <a:rPr lang="en-US" dirty="0"/>
               <a:pPr/>
-              <a:t>4/3/2017</a:t>
+              <a:t>4/5/2017</a:t>
             </a:fld>
             <a:endParaRPr lang="en-US" dirty="0"/>
           </a:p>
@@ -4770,23 +4770,21 @@
       </p:sp>
       <p:pic>
         <p:nvPicPr>
-          <p:cNvPr id="5" name="內容版面配置區 4"/>
+          <p:cNvPr id="3" name="圖片 2"/>
           <p:cNvPicPr>
-            <a:picLocks noGrp="1" noChangeAspect="1"/>
+            <a:picLocks noChangeAspect="1"/>
           </p:cNvPicPr>
-          <p:nvPr>
-            <p:ph idx="1"/>
-          </p:nvPr>
+          <p:nvPr/>
         </p:nvPicPr>
         <p:blipFill rotWithShape="1">
           <a:blip r:embed="rId2"/>
-          <a:srcRect l="12164" t="60017" r="59863" b="13945"/>
+          <a:srcRect l="20250" t="75053" r="56210" b="8428"/>
           <a:stretch/>
         </p:blipFill>
         <p:spPr>
           <a:xfrm>
-            <a:off x="1451579" y="1853754"/>
-            <a:ext cx="7263872" cy="3803257"/>
+            <a:off x="1577735" y="2054674"/>
+            <a:ext cx="7908171" cy="3121646"/>
           </a:xfrm>
           <a:prstGeom prst="rect">
             <a:avLst/>
